--- a/相关图标.pptx
+++ b/相关图标.pptx
@@ -260,7 +260,7 @@
           <a:p>
             <a:fld id="{02813166-E76C-44BF-A9EF-FF125D2CE53A}" type="datetimeFigureOut">
               <a:rPr lang="zh-CN" altLang="en-US" smtClean="0"/>
-              <a:t>2023/5/3</a:t>
+              <a:t>2023/6/9</a:t>
             </a:fld>
             <a:endParaRPr lang="zh-CN" altLang="en-US"/>
           </a:p>
@@ -458,7 +458,7 @@
           <a:p>
             <a:fld id="{02813166-E76C-44BF-A9EF-FF125D2CE53A}" type="datetimeFigureOut">
               <a:rPr lang="zh-CN" altLang="en-US" smtClean="0"/>
-              <a:t>2023/5/3</a:t>
+              <a:t>2023/6/9</a:t>
             </a:fld>
             <a:endParaRPr lang="zh-CN" altLang="en-US"/>
           </a:p>
@@ -666,7 +666,7 @@
           <a:p>
             <a:fld id="{02813166-E76C-44BF-A9EF-FF125D2CE53A}" type="datetimeFigureOut">
               <a:rPr lang="zh-CN" altLang="en-US" smtClean="0"/>
-              <a:t>2023/5/3</a:t>
+              <a:t>2023/6/9</a:t>
             </a:fld>
             <a:endParaRPr lang="zh-CN" altLang="en-US"/>
           </a:p>
@@ -864,7 +864,7 @@
           <a:p>
             <a:fld id="{02813166-E76C-44BF-A9EF-FF125D2CE53A}" type="datetimeFigureOut">
               <a:rPr lang="zh-CN" altLang="en-US" smtClean="0"/>
-              <a:t>2023/5/3</a:t>
+              <a:t>2023/6/9</a:t>
             </a:fld>
             <a:endParaRPr lang="zh-CN" altLang="en-US"/>
           </a:p>
@@ -1139,7 +1139,7 @@
           <a:p>
             <a:fld id="{02813166-E76C-44BF-A9EF-FF125D2CE53A}" type="datetimeFigureOut">
               <a:rPr lang="zh-CN" altLang="en-US" smtClean="0"/>
-              <a:t>2023/5/3</a:t>
+              <a:t>2023/6/9</a:t>
             </a:fld>
             <a:endParaRPr lang="zh-CN" altLang="en-US"/>
           </a:p>
@@ -1404,7 +1404,7 @@
           <a:p>
             <a:fld id="{02813166-E76C-44BF-A9EF-FF125D2CE53A}" type="datetimeFigureOut">
               <a:rPr lang="zh-CN" altLang="en-US" smtClean="0"/>
-              <a:t>2023/5/3</a:t>
+              <a:t>2023/6/9</a:t>
             </a:fld>
             <a:endParaRPr lang="zh-CN" altLang="en-US"/>
           </a:p>
@@ -1816,7 +1816,7 @@
           <a:p>
             <a:fld id="{02813166-E76C-44BF-A9EF-FF125D2CE53A}" type="datetimeFigureOut">
               <a:rPr lang="zh-CN" altLang="en-US" smtClean="0"/>
-              <a:t>2023/5/3</a:t>
+              <a:t>2023/6/9</a:t>
             </a:fld>
             <a:endParaRPr lang="zh-CN" altLang="en-US"/>
           </a:p>
@@ -1957,7 +1957,7 @@
           <a:p>
             <a:fld id="{02813166-E76C-44BF-A9EF-FF125D2CE53A}" type="datetimeFigureOut">
               <a:rPr lang="zh-CN" altLang="en-US" smtClean="0"/>
-              <a:t>2023/5/3</a:t>
+              <a:t>2023/6/9</a:t>
             </a:fld>
             <a:endParaRPr lang="zh-CN" altLang="en-US"/>
           </a:p>
@@ -2070,7 +2070,7 @@
           <a:p>
             <a:fld id="{02813166-E76C-44BF-A9EF-FF125D2CE53A}" type="datetimeFigureOut">
               <a:rPr lang="zh-CN" altLang="en-US" smtClean="0"/>
-              <a:t>2023/5/3</a:t>
+              <a:t>2023/6/9</a:t>
             </a:fld>
             <a:endParaRPr lang="zh-CN" altLang="en-US"/>
           </a:p>
@@ -2381,7 +2381,7 @@
           <a:p>
             <a:fld id="{02813166-E76C-44BF-A9EF-FF125D2CE53A}" type="datetimeFigureOut">
               <a:rPr lang="zh-CN" altLang="en-US" smtClean="0"/>
-              <a:t>2023/5/3</a:t>
+              <a:t>2023/6/9</a:t>
             </a:fld>
             <a:endParaRPr lang="zh-CN" altLang="en-US"/>
           </a:p>
@@ -2669,7 +2669,7 @@
           <a:p>
             <a:fld id="{02813166-E76C-44BF-A9EF-FF125D2CE53A}" type="datetimeFigureOut">
               <a:rPr lang="zh-CN" altLang="en-US" smtClean="0"/>
-              <a:t>2023/5/3</a:t>
+              <a:t>2023/6/9</a:t>
             </a:fld>
             <a:endParaRPr lang="zh-CN" altLang="en-US"/>
           </a:p>
@@ -2910,7 +2910,7 @@
           <a:p>
             <a:fld id="{02813166-E76C-44BF-A9EF-FF125D2CE53A}" type="datetimeFigureOut">
               <a:rPr lang="zh-CN" altLang="en-US" smtClean="0"/>
-              <a:t>2023/5/3</a:t>
+              <a:t>2023/6/9</a:t>
             </a:fld>
             <a:endParaRPr lang="zh-CN" altLang="en-US"/>
           </a:p>
@@ -3673,6 +3673,17 @@
           <a:p>
             <a:pPr algn="ctr"/>
             <a:r>
+              <a:rPr lang="zh-CN" altLang="en-US" sz="4800" b="1" i="0">
+                <a:solidFill>
+                  <a:schemeClr val="bg1"/>
+                </a:solidFill>
+                <a:effectLst/>
+                <a:latin typeface="Microsoft Yahei" panose="020B0503020204020204" pitchFamily="34" charset="-122"/>
+                <a:ea typeface="Microsoft Yahei" panose="020B0503020204020204" pitchFamily="34" charset="-122"/>
+              </a:rPr>
+              <a:t>汩汩清流荡</a:t>
+            </a:r>
+            <a:r>
               <a:rPr lang="zh-CN" altLang="en-US" sz="4800" b="1" i="0" dirty="0">
                 <a:solidFill>
                   <a:schemeClr val="bg1"/>
@@ -3681,7 +3692,7 @@
                 <a:latin typeface="Microsoft Yahei" panose="020B0503020204020204" pitchFamily="34" charset="-122"/>
                 <a:ea typeface="Microsoft Yahei" panose="020B0503020204020204" pitchFamily="34" charset="-122"/>
               </a:rPr>
-              <a:t>汩汩流水荡碧波，奔腾江河看中国</a:t>
+              <a:t>碧波，奔腾江河看中国</a:t>
             </a:r>
           </a:p>
         </p:txBody>

--- a/相关图标.pptx
+++ b/相关图标.pptx
@@ -260,7 +260,7 @@
           <a:p>
             <a:fld id="{02813166-E76C-44BF-A9EF-FF125D2CE53A}" type="datetimeFigureOut">
               <a:rPr lang="zh-CN" altLang="en-US" smtClean="0"/>
-              <a:t>2023/6/9</a:t>
+              <a:t>2023/7/31</a:t>
             </a:fld>
             <a:endParaRPr lang="zh-CN" altLang="en-US"/>
           </a:p>
@@ -458,7 +458,7 @@
           <a:p>
             <a:fld id="{02813166-E76C-44BF-A9EF-FF125D2CE53A}" type="datetimeFigureOut">
               <a:rPr lang="zh-CN" altLang="en-US" smtClean="0"/>
-              <a:t>2023/6/9</a:t>
+              <a:t>2023/7/31</a:t>
             </a:fld>
             <a:endParaRPr lang="zh-CN" altLang="en-US"/>
           </a:p>
@@ -666,7 +666,7 @@
           <a:p>
             <a:fld id="{02813166-E76C-44BF-A9EF-FF125D2CE53A}" type="datetimeFigureOut">
               <a:rPr lang="zh-CN" altLang="en-US" smtClean="0"/>
-              <a:t>2023/6/9</a:t>
+              <a:t>2023/7/31</a:t>
             </a:fld>
             <a:endParaRPr lang="zh-CN" altLang="en-US"/>
           </a:p>
@@ -864,7 +864,7 @@
           <a:p>
             <a:fld id="{02813166-E76C-44BF-A9EF-FF125D2CE53A}" type="datetimeFigureOut">
               <a:rPr lang="zh-CN" altLang="en-US" smtClean="0"/>
-              <a:t>2023/6/9</a:t>
+              <a:t>2023/7/31</a:t>
             </a:fld>
             <a:endParaRPr lang="zh-CN" altLang="en-US"/>
           </a:p>
@@ -1139,7 +1139,7 @@
           <a:p>
             <a:fld id="{02813166-E76C-44BF-A9EF-FF125D2CE53A}" type="datetimeFigureOut">
               <a:rPr lang="zh-CN" altLang="en-US" smtClean="0"/>
-              <a:t>2023/6/9</a:t>
+              <a:t>2023/7/31</a:t>
             </a:fld>
             <a:endParaRPr lang="zh-CN" altLang="en-US"/>
           </a:p>
@@ -1404,7 +1404,7 @@
           <a:p>
             <a:fld id="{02813166-E76C-44BF-A9EF-FF125D2CE53A}" type="datetimeFigureOut">
               <a:rPr lang="zh-CN" altLang="en-US" smtClean="0"/>
-              <a:t>2023/6/9</a:t>
+              <a:t>2023/7/31</a:t>
             </a:fld>
             <a:endParaRPr lang="zh-CN" altLang="en-US"/>
           </a:p>
@@ -1816,7 +1816,7 @@
           <a:p>
             <a:fld id="{02813166-E76C-44BF-A9EF-FF125D2CE53A}" type="datetimeFigureOut">
               <a:rPr lang="zh-CN" altLang="en-US" smtClean="0"/>
-              <a:t>2023/6/9</a:t>
+              <a:t>2023/7/31</a:t>
             </a:fld>
             <a:endParaRPr lang="zh-CN" altLang="en-US"/>
           </a:p>
@@ -1957,7 +1957,7 @@
           <a:p>
             <a:fld id="{02813166-E76C-44BF-A9EF-FF125D2CE53A}" type="datetimeFigureOut">
               <a:rPr lang="zh-CN" altLang="en-US" smtClean="0"/>
-              <a:t>2023/6/9</a:t>
+              <a:t>2023/7/31</a:t>
             </a:fld>
             <a:endParaRPr lang="zh-CN" altLang="en-US"/>
           </a:p>
@@ -2070,7 +2070,7 @@
           <a:p>
             <a:fld id="{02813166-E76C-44BF-A9EF-FF125D2CE53A}" type="datetimeFigureOut">
               <a:rPr lang="zh-CN" altLang="en-US" smtClean="0"/>
-              <a:t>2023/6/9</a:t>
+              <a:t>2023/7/31</a:t>
             </a:fld>
             <a:endParaRPr lang="zh-CN" altLang="en-US"/>
           </a:p>
@@ -2381,7 +2381,7 @@
           <a:p>
             <a:fld id="{02813166-E76C-44BF-A9EF-FF125D2CE53A}" type="datetimeFigureOut">
               <a:rPr lang="zh-CN" altLang="en-US" smtClean="0"/>
-              <a:t>2023/6/9</a:t>
+              <a:t>2023/7/31</a:t>
             </a:fld>
             <a:endParaRPr lang="zh-CN" altLang="en-US"/>
           </a:p>
@@ -2669,7 +2669,7 @@
           <a:p>
             <a:fld id="{02813166-E76C-44BF-A9EF-FF125D2CE53A}" type="datetimeFigureOut">
               <a:rPr lang="zh-CN" altLang="en-US" smtClean="0"/>
-              <a:t>2023/6/9</a:t>
+              <a:t>2023/7/31</a:t>
             </a:fld>
             <a:endParaRPr lang="zh-CN" altLang="en-US"/>
           </a:p>
@@ -2910,7 +2910,7 @@
           <a:p>
             <a:fld id="{02813166-E76C-44BF-A9EF-FF125D2CE53A}" type="datetimeFigureOut">
               <a:rPr lang="zh-CN" altLang="en-US" smtClean="0"/>
-              <a:t>2023/6/9</a:t>
+              <a:t>2023/7/31</a:t>
             </a:fld>
             <a:endParaRPr lang="zh-CN" altLang="en-US"/>
           </a:p>
@@ -3673,17 +3673,6 @@
           <a:p>
             <a:pPr algn="ctr"/>
             <a:r>
-              <a:rPr lang="zh-CN" altLang="en-US" sz="4800" b="1" i="0">
-                <a:solidFill>
-                  <a:schemeClr val="bg1"/>
-                </a:solidFill>
-                <a:effectLst/>
-                <a:latin typeface="Microsoft Yahei" panose="020B0503020204020204" pitchFamily="34" charset="-122"/>
-                <a:ea typeface="Microsoft Yahei" panose="020B0503020204020204" pitchFamily="34" charset="-122"/>
-              </a:rPr>
-              <a:t>汩汩清流荡</a:t>
-            </a:r>
-            <a:r>
               <a:rPr lang="zh-CN" altLang="en-US" sz="4800" b="1" i="0" dirty="0">
                 <a:solidFill>
                   <a:schemeClr val="bg1"/>
@@ -3692,7 +3681,7 @@
                 <a:latin typeface="Microsoft Yahei" panose="020B0503020204020204" pitchFamily="34" charset="-122"/>
                 <a:ea typeface="Microsoft Yahei" panose="020B0503020204020204" pitchFamily="34" charset="-122"/>
               </a:rPr>
-              <a:t>碧波，奔腾江河看中国</a:t>
+              <a:t>马蹄踏花去，梅花破雪来</a:t>
             </a:r>
           </a:p>
         </p:txBody>
@@ -3736,31 +3725,7 @@
                 <a:ea typeface="黑体" panose="02010609060101010101" pitchFamily="49" charset="-122"/>
                 <a:cs typeface="Times New Roman" panose="02020603050405020304" pitchFamily="18" charset="0"/>
               </a:rPr>
-              <a:t>有关运河</a:t>
-            </a:r>
-            <a:r>
-              <a:rPr lang="zh-CN" altLang="zh-CN" sz="2000" b="1" kern="100" dirty="0">
-                <a:solidFill>
-                  <a:schemeClr val="bg1"/>
-                </a:solidFill>
-                <a:effectLst/>
-                <a:latin typeface="黑体" panose="02010609060101010101" pitchFamily="49" charset="-122"/>
-                <a:ea typeface="黑体" panose="02010609060101010101" pitchFamily="49" charset="-122"/>
-                <a:cs typeface="Times New Roman" panose="02020603050405020304" pitchFamily="18" charset="0"/>
-              </a:rPr>
-              <a:t>概况、历史文化、社会影响及国家相关政策</a:t>
-            </a:r>
-            <a:r>
-              <a:rPr lang="zh-CN" altLang="en-US" sz="2000" b="1" kern="100" dirty="0">
-                <a:solidFill>
-                  <a:schemeClr val="bg1"/>
-                </a:solidFill>
-                <a:effectLst/>
-                <a:latin typeface="黑体" panose="02010609060101010101" pitchFamily="49" charset="-122"/>
-                <a:ea typeface="黑体" panose="02010609060101010101" pitchFamily="49" charset="-122"/>
-                <a:cs typeface="Times New Roman" panose="02020603050405020304" pitchFamily="18" charset="0"/>
-              </a:rPr>
-              <a:t>问卷调查</a:t>
+              <a:t>有关职业生涯规划相关情况的问卷调查</a:t>
             </a:r>
             <a:endParaRPr lang="zh-CN" altLang="en-US" sz="2000" b="1" dirty="0">
               <a:solidFill>

--- a/相关图标.pptx
+++ b/相关图标.pptx
@@ -7,6 +7,7 @@
   <p:sldIdLst>
     <p:sldId id="256" r:id="rId2"/>
     <p:sldId id="257" r:id="rId3"/>
+    <p:sldId id="258" r:id="rId4"/>
   </p:sldIdLst>
   <p:sldSz cx="12192000" cy="6858000"/>
   <p:notesSz cx="6858000" cy="9144000"/>
@@ -260,7 +261,7 @@
           <a:p>
             <a:fld id="{02813166-E76C-44BF-A9EF-FF125D2CE53A}" type="datetimeFigureOut">
               <a:rPr lang="zh-CN" altLang="en-US" smtClean="0"/>
-              <a:t>2023/7/31</a:t>
+              <a:t>2023/8/1</a:t>
             </a:fld>
             <a:endParaRPr lang="zh-CN" altLang="en-US"/>
           </a:p>
@@ -458,7 +459,7 @@
           <a:p>
             <a:fld id="{02813166-E76C-44BF-A9EF-FF125D2CE53A}" type="datetimeFigureOut">
               <a:rPr lang="zh-CN" altLang="en-US" smtClean="0"/>
-              <a:t>2023/7/31</a:t>
+              <a:t>2023/8/1</a:t>
             </a:fld>
             <a:endParaRPr lang="zh-CN" altLang="en-US"/>
           </a:p>
@@ -666,7 +667,7 @@
           <a:p>
             <a:fld id="{02813166-E76C-44BF-A9EF-FF125D2CE53A}" type="datetimeFigureOut">
               <a:rPr lang="zh-CN" altLang="en-US" smtClean="0"/>
-              <a:t>2023/7/31</a:t>
+              <a:t>2023/8/1</a:t>
             </a:fld>
             <a:endParaRPr lang="zh-CN" altLang="en-US"/>
           </a:p>
@@ -864,7 +865,7 @@
           <a:p>
             <a:fld id="{02813166-E76C-44BF-A9EF-FF125D2CE53A}" type="datetimeFigureOut">
               <a:rPr lang="zh-CN" altLang="en-US" smtClean="0"/>
-              <a:t>2023/7/31</a:t>
+              <a:t>2023/8/1</a:t>
             </a:fld>
             <a:endParaRPr lang="zh-CN" altLang="en-US"/>
           </a:p>
@@ -1139,7 +1140,7 @@
           <a:p>
             <a:fld id="{02813166-E76C-44BF-A9EF-FF125D2CE53A}" type="datetimeFigureOut">
               <a:rPr lang="zh-CN" altLang="en-US" smtClean="0"/>
-              <a:t>2023/7/31</a:t>
+              <a:t>2023/8/1</a:t>
             </a:fld>
             <a:endParaRPr lang="zh-CN" altLang="en-US"/>
           </a:p>
@@ -1404,7 +1405,7 @@
           <a:p>
             <a:fld id="{02813166-E76C-44BF-A9EF-FF125D2CE53A}" type="datetimeFigureOut">
               <a:rPr lang="zh-CN" altLang="en-US" smtClean="0"/>
-              <a:t>2023/7/31</a:t>
+              <a:t>2023/8/1</a:t>
             </a:fld>
             <a:endParaRPr lang="zh-CN" altLang="en-US"/>
           </a:p>
@@ -1816,7 +1817,7 @@
           <a:p>
             <a:fld id="{02813166-E76C-44BF-A9EF-FF125D2CE53A}" type="datetimeFigureOut">
               <a:rPr lang="zh-CN" altLang="en-US" smtClean="0"/>
-              <a:t>2023/7/31</a:t>
+              <a:t>2023/8/1</a:t>
             </a:fld>
             <a:endParaRPr lang="zh-CN" altLang="en-US"/>
           </a:p>
@@ -1957,7 +1958,7 @@
           <a:p>
             <a:fld id="{02813166-E76C-44BF-A9EF-FF125D2CE53A}" type="datetimeFigureOut">
               <a:rPr lang="zh-CN" altLang="en-US" smtClean="0"/>
-              <a:t>2023/7/31</a:t>
+              <a:t>2023/8/1</a:t>
             </a:fld>
             <a:endParaRPr lang="zh-CN" altLang="en-US"/>
           </a:p>
@@ -2070,7 +2071,7 @@
           <a:p>
             <a:fld id="{02813166-E76C-44BF-A9EF-FF125D2CE53A}" type="datetimeFigureOut">
               <a:rPr lang="zh-CN" altLang="en-US" smtClean="0"/>
-              <a:t>2023/7/31</a:t>
+              <a:t>2023/8/1</a:t>
             </a:fld>
             <a:endParaRPr lang="zh-CN" altLang="en-US"/>
           </a:p>
@@ -2381,7 +2382,7 @@
           <a:p>
             <a:fld id="{02813166-E76C-44BF-A9EF-FF125D2CE53A}" type="datetimeFigureOut">
               <a:rPr lang="zh-CN" altLang="en-US" smtClean="0"/>
-              <a:t>2023/7/31</a:t>
+              <a:t>2023/8/1</a:t>
             </a:fld>
             <a:endParaRPr lang="zh-CN" altLang="en-US"/>
           </a:p>
@@ -2669,7 +2670,7 @@
           <a:p>
             <a:fld id="{02813166-E76C-44BF-A9EF-FF125D2CE53A}" type="datetimeFigureOut">
               <a:rPr lang="zh-CN" altLang="en-US" smtClean="0"/>
-              <a:t>2023/7/31</a:t>
+              <a:t>2023/8/1</a:t>
             </a:fld>
             <a:endParaRPr lang="zh-CN" altLang="en-US"/>
           </a:p>
@@ -2910,7 +2911,7 @@
           <a:p>
             <a:fld id="{02813166-E76C-44BF-A9EF-FF125D2CE53A}" type="datetimeFigureOut">
               <a:rPr lang="zh-CN" altLang="en-US" smtClean="0"/>
-              <a:t>2023/7/31</a:t>
+              <a:t>2023/8/1</a:t>
             </a:fld>
             <a:endParaRPr lang="zh-CN" altLang="en-US"/>
           </a:p>
@@ -3940,6 +3941,373 @@
 </p:sld>
 </file>
 
+<file path=ppt/slides/slide3.xml><?xml version="1.0" encoding="utf-8"?>
+<p:sld xmlns:a="http://schemas.openxmlformats.org/drawingml/2006/main" xmlns:r="http://schemas.openxmlformats.org/officeDocument/2006/relationships" xmlns:p="http://schemas.openxmlformats.org/presentationml/2006/main">
+  <p:cSld>
+    <p:bg>
+      <p:bgPr>
+        <a:gradFill flip="none" rotWithShape="1">
+          <a:gsLst>
+            <a:gs pos="0">
+              <a:srgbClr val="00B0F0"/>
+            </a:gs>
+            <a:gs pos="100000">
+              <a:schemeClr val="accent5">
+                <a:lumMod val="40000"/>
+                <a:lumOff val="60000"/>
+              </a:schemeClr>
+            </a:gs>
+            <a:gs pos="100000">
+              <a:schemeClr val="accent5">
+                <a:lumMod val="20000"/>
+                <a:lumOff val="80000"/>
+              </a:schemeClr>
+            </a:gs>
+          </a:gsLst>
+          <a:path path="circle">
+            <a:fillToRect l="100000" t="100000"/>
+          </a:path>
+          <a:tileRect r="-100000" b="-100000"/>
+        </a:gradFill>
+        <a:effectLst/>
+      </p:bgPr>
+    </p:bg>
+    <p:spTree>
+      <p:nvGrpSpPr>
+        <p:cNvPr id="1" name=""/>
+        <p:cNvGrpSpPr/>
+        <p:nvPr/>
+      </p:nvGrpSpPr>
+      <p:grpSpPr>
+        <a:xfrm>
+          <a:off x="0" y="0"/>
+          <a:ext cx="0" cy="0"/>
+          <a:chOff x="0" y="0"/>
+          <a:chExt cx="0" cy="0"/>
+        </a:xfrm>
+      </p:grpSpPr>
+      <p:sp>
+        <p:nvSpPr>
+          <p:cNvPr id="4" name="文本框 3">
+            <a:extLst>
+              <a:ext uri="{FF2B5EF4-FFF2-40B4-BE49-F238E27FC236}">
+                <a16:creationId xmlns:a16="http://schemas.microsoft.com/office/drawing/2014/main" id="{BDF3B6A3-1E85-4BB5-9340-E89B73CD0683}"/>
+              </a:ext>
+            </a:extLst>
+          </p:cNvPr>
+          <p:cNvSpPr txBox="1"/>
+          <p:nvPr/>
+        </p:nvSpPr>
+        <p:spPr>
+          <a:xfrm>
+            <a:off x="1293779" y="2101175"/>
+            <a:ext cx="9604442" cy="830997"/>
+          </a:xfrm>
+          <a:prstGeom prst="rect">
+            <a:avLst/>
+          </a:prstGeom>
+          <a:noFill/>
+        </p:spPr>
+        <p:txBody>
+          <a:bodyPr wrap="square" rtlCol="0">
+            <a:spAutoFit/>
+          </a:bodyPr>
+          <a:lstStyle/>
+          <a:p>
+            <a:pPr marL="0" marR="0" lvl="0" indent="0" algn="ctr" defTabSz="914400" rtl="0" eaLnBrk="1" fontAlgn="auto" latinLnBrk="0" hangingPunct="1">
+              <a:lnSpc>
+                <a:spcPct val="100000"/>
+              </a:lnSpc>
+              <a:spcBef>
+                <a:spcPts val="0"/>
+              </a:spcBef>
+              <a:spcAft>
+                <a:spcPts val="0"/>
+              </a:spcAft>
+              <a:buClrTx/>
+              <a:buSzTx/>
+              <a:buFontTx/>
+              <a:buNone/>
+              <a:tabLst/>
+              <a:defRPr/>
+            </a:pPr>
+            <a:r>
+              <a:rPr kumimoji="0" lang="zh-CN" altLang="en-US" sz="4800" b="1" i="0" u="none" strike="noStrike" kern="1200" cap="none" spc="0" normalizeH="0" baseline="0" noProof="0" dirty="0">
+                <a:ln>
+                  <a:noFill/>
+                </a:ln>
+                <a:solidFill>
+                  <a:prstClr val="white"/>
+                </a:solidFill>
+                <a:effectLst/>
+                <a:uLnTx/>
+                <a:uFillTx/>
+                <a:latin typeface="Microsoft Yahei" panose="020B0503020204020204" pitchFamily="34" charset="-122"/>
+                <a:ea typeface="Microsoft Yahei" panose="020B0503020204020204" pitchFamily="34" charset="-122"/>
+                <a:cs typeface="+mn-cs"/>
+              </a:rPr>
+              <a:t>问卷调查</a:t>
+            </a:r>
+          </a:p>
+        </p:txBody>
+      </p:sp>
+      <p:grpSp>
+        <p:nvGrpSpPr>
+          <p:cNvPr id="12" name="组合 11">
+            <a:extLst>
+              <a:ext uri="{FF2B5EF4-FFF2-40B4-BE49-F238E27FC236}">
+                <a16:creationId xmlns:a16="http://schemas.microsoft.com/office/drawing/2014/main" id="{B9567D19-184A-4B67-AA1F-D2E8BC3D843B}"/>
+              </a:ext>
+            </a:extLst>
+          </p:cNvPr>
+          <p:cNvGrpSpPr/>
+          <p:nvPr/>
+        </p:nvGrpSpPr>
+        <p:grpSpPr>
+          <a:xfrm>
+            <a:off x="4774504" y="3506859"/>
+            <a:ext cx="2642992" cy="631665"/>
+            <a:chOff x="4774503" y="3906969"/>
+            <a:chExt cx="2642992" cy="631665"/>
+          </a:xfrm>
+        </p:grpSpPr>
+        <p:sp>
+          <p:nvSpPr>
+            <p:cNvPr id="10" name="矩形: 圆角 9">
+              <a:extLst>
+                <a:ext uri="{FF2B5EF4-FFF2-40B4-BE49-F238E27FC236}">
+                  <a16:creationId xmlns:a16="http://schemas.microsoft.com/office/drawing/2014/main" id="{AE4A9250-DA11-42E7-9A8F-1A655E9F290B}"/>
+                </a:ext>
+              </a:extLst>
+            </p:cNvPr>
+            <p:cNvSpPr/>
+            <p:nvPr/>
+          </p:nvSpPr>
+          <p:spPr>
+            <a:xfrm>
+              <a:off x="4774503" y="3906969"/>
+              <a:ext cx="2642992" cy="631665"/>
+            </a:xfrm>
+            <a:prstGeom prst="roundRect">
+              <a:avLst>
+                <a:gd name="adj" fmla="val 35417"/>
+              </a:avLst>
+            </a:prstGeom>
+            <a:ln>
+              <a:noFill/>
+            </a:ln>
+          </p:spPr>
+          <p:style>
+            <a:lnRef idx="2">
+              <a:schemeClr val="accent1">
+                <a:shade val="50000"/>
+              </a:schemeClr>
+            </a:lnRef>
+            <a:fillRef idx="1">
+              <a:schemeClr val="accent1"/>
+            </a:fillRef>
+            <a:effectRef idx="0">
+              <a:schemeClr val="accent1"/>
+            </a:effectRef>
+            <a:fontRef idx="minor">
+              <a:schemeClr val="lt1"/>
+            </a:fontRef>
+          </p:style>
+          <p:txBody>
+            <a:bodyPr rtlCol="0" anchor="ctr"/>
+            <a:lstStyle/>
+            <a:p>
+              <a:pPr marL="0" marR="0" lvl="0" indent="0" algn="ctr" defTabSz="914400" rtl="0" eaLnBrk="1" fontAlgn="auto" latinLnBrk="0" hangingPunct="1">
+                <a:lnSpc>
+                  <a:spcPct val="100000"/>
+                </a:lnSpc>
+                <a:spcBef>
+                  <a:spcPts val="0"/>
+                </a:spcBef>
+                <a:spcAft>
+                  <a:spcPts val="0"/>
+                </a:spcAft>
+                <a:buClrTx/>
+                <a:buSzTx/>
+                <a:buFontTx/>
+                <a:buNone/>
+                <a:tabLst/>
+                <a:defRPr/>
+              </a:pPr>
+              <a:endParaRPr kumimoji="0" lang="zh-CN" altLang="en-US" sz="1800" b="0" i="0" u="none" strike="noStrike" kern="1200" cap="none" spc="0" normalizeH="0" baseline="0" noProof="0">
+                <a:ln>
+                  <a:noFill/>
+                </a:ln>
+                <a:solidFill>
+                  <a:prstClr val="white"/>
+                </a:solidFill>
+                <a:effectLst/>
+                <a:uLnTx/>
+                <a:uFillTx/>
+                <a:latin typeface="等线" panose="020F0502020204030204"/>
+                <a:ea typeface="等线" panose="02010600030101010101" pitchFamily="2" charset="-122"/>
+                <a:cs typeface="+mn-cs"/>
+              </a:endParaRPr>
+            </a:p>
+          </p:txBody>
+        </p:sp>
+        <p:sp>
+          <p:nvSpPr>
+            <p:cNvPr id="11" name="文本框 10">
+              <a:extLst>
+                <a:ext uri="{FF2B5EF4-FFF2-40B4-BE49-F238E27FC236}">
+                  <a16:creationId xmlns:a16="http://schemas.microsoft.com/office/drawing/2014/main" id="{4BF6EE8B-0C4A-4019-BC4D-57AB5E120AE9}"/>
+                </a:ext>
+              </a:extLst>
+            </p:cNvPr>
+            <p:cNvSpPr txBox="1"/>
+            <p:nvPr/>
+          </p:nvSpPr>
+          <p:spPr>
+            <a:xfrm>
+              <a:off x="4893501" y="3991969"/>
+              <a:ext cx="2404997" cy="461665"/>
+            </a:xfrm>
+            <a:prstGeom prst="rect">
+              <a:avLst/>
+            </a:prstGeom>
+            <a:noFill/>
+          </p:spPr>
+          <p:txBody>
+            <a:bodyPr wrap="square" rtlCol="0">
+              <a:spAutoFit/>
+            </a:bodyPr>
+            <a:lstStyle/>
+            <a:p>
+              <a:pPr marL="0" marR="0" lvl="0" indent="0" algn="dist" defTabSz="914400" rtl="0" eaLnBrk="1" fontAlgn="auto" latinLnBrk="0" hangingPunct="1">
+                <a:lnSpc>
+                  <a:spcPct val="100000"/>
+                </a:lnSpc>
+                <a:spcBef>
+                  <a:spcPts val="0"/>
+                </a:spcBef>
+                <a:spcAft>
+                  <a:spcPts val="0"/>
+                </a:spcAft>
+                <a:buClrTx/>
+                <a:buSzTx/>
+                <a:buFontTx/>
+                <a:buNone/>
+                <a:tabLst/>
+                <a:defRPr/>
+              </a:pPr>
+              <a:r>
+                <a:rPr kumimoji="0" lang="zh-CN" altLang="en-US" sz="2400" b="1" i="0" u="none" strike="noStrike" kern="1200" cap="none" spc="0" normalizeH="0" baseline="0" noProof="0" dirty="0">
+                  <a:ln>
+                    <a:noFill/>
+                  </a:ln>
+                  <a:solidFill>
+                    <a:prstClr val="white"/>
+                  </a:solidFill>
+                  <a:effectLst/>
+                  <a:uLnTx/>
+                  <a:uFillTx/>
+                  <a:latin typeface="等线" panose="020F0502020204030204"/>
+                  <a:ea typeface="等线" panose="02010600030101010101" pitchFamily="2" charset="-122"/>
+                  <a:cs typeface="+mn-cs"/>
+                </a:rPr>
+                <a:t>活动成果汇报</a:t>
+              </a:r>
+            </a:p>
+          </p:txBody>
+        </p:sp>
+      </p:grpSp>
+      <p:pic>
+        <p:nvPicPr>
+          <p:cNvPr id="14" name="图形 13" descr="云 纯色填充">
+            <a:extLst>
+              <a:ext uri="{FF2B5EF4-FFF2-40B4-BE49-F238E27FC236}">
+                <a16:creationId xmlns:a16="http://schemas.microsoft.com/office/drawing/2014/main" id="{80D04D0B-02FC-4B29-9736-C6E9F94A7524}"/>
+              </a:ext>
+            </a:extLst>
+          </p:cNvPr>
+          <p:cNvPicPr>
+            <a:picLocks noChangeAspect="1"/>
+          </p:cNvPicPr>
+          <p:nvPr/>
+        </p:nvPicPr>
+        <p:blipFill>
+          <a:blip r:embed="rId2">
+            <a:extLst>
+              <a:ext uri="{28A0092B-C50C-407E-A947-70E740481C1C}">
+                <a14:useLocalDpi xmlns:a14="http://schemas.microsoft.com/office/drawing/2010/main" val="0"/>
+              </a:ext>
+              <a:ext uri="{96DAC541-7B7A-43D3-8B79-37D633B846F1}">
+                <asvg:svgBlip xmlns:asvg="http://schemas.microsoft.com/office/drawing/2016/SVG/main" r:embed="rId3"/>
+              </a:ext>
+            </a:extLst>
+          </a:blip>
+          <a:stretch>
+            <a:fillRect/>
+          </a:stretch>
+        </p:blipFill>
+        <p:spPr>
+          <a:xfrm>
+            <a:off x="473013" y="2542752"/>
+            <a:ext cx="2098214" cy="2098214"/>
+          </a:xfrm>
+          <a:prstGeom prst="rect">
+            <a:avLst/>
+          </a:prstGeom>
+        </p:spPr>
+      </p:pic>
+      <p:pic>
+        <p:nvPicPr>
+          <p:cNvPr id="16" name="图形 15" descr="焰火 纯色填充">
+            <a:extLst>
+              <a:ext uri="{FF2B5EF4-FFF2-40B4-BE49-F238E27FC236}">
+                <a16:creationId xmlns:a16="http://schemas.microsoft.com/office/drawing/2014/main" id="{67DAC771-F820-4951-884D-116A27413387}"/>
+              </a:ext>
+            </a:extLst>
+          </p:cNvPr>
+          <p:cNvPicPr>
+            <a:picLocks noChangeAspect="1"/>
+          </p:cNvPicPr>
+          <p:nvPr/>
+        </p:nvPicPr>
+        <p:blipFill>
+          <a:blip r:embed="rId4">
+            <a:extLst>
+              <a:ext uri="{28A0092B-C50C-407E-A947-70E740481C1C}">
+                <a14:useLocalDpi xmlns:a14="http://schemas.microsoft.com/office/drawing/2010/main" val="0"/>
+              </a:ext>
+              <a:ext uri="{96DAC541-7B7A-43D3-8B79-37D633B846F1}">
+                <asvg:svgBlip xmlns:asvg="http://schemas.microsoft.com/office/drawing/2016/SVG/main" r:embed="rId5"/>
+              </a:ext>
+            </a:extLst>
+          </a:blip>
+          <a:stretch>
+            <a:fillRect/>
+          </a:stretch>
+        </p:blipFill>
+        <p:spPr>
+          <a:xfrm>
+            <a:off x="10324866" y="1396043"/>
+            <a:ext cx="1146709" cy="1146709"/>
+          </a:xfrm>
+          <a:prstGeom prst="rect">
+            <a:avLst/>
+          </a:prstGeom>
+        </p:spPr>
+      </p:pic>
+    </p:spTree>
+    <p:extLst>
+      <p:ext uri="{BB962C8B-B14F-4D97-AF65-F5344CB8AC3E}">
+        <p14:creationId xmlns:p14="http://schemas.microsoft.com/office/powerpoint/2010/main" val="942509197"/>
+      </p:ext>
+    </p:extLst>
+  </p:cSld>
+  <p:clrMapOvr>
+    <a:masterClrMapping/>
+  </p:clrMapOvr>
+</p:sld>
+</file>
+
 <file path=ppt/theme/theme1.xml><?xml version="1.0" encoding="utf-8"?>
 <a:theme xmlns:a="http://schemas.openxmlformats.org/drawingml/2006/main" name="Office 主题​​">
   <a:themeElements>
